--- a/slides/week-4.pptx
+++ b/slides/week-4.pptx
@@ -344,7 +344,7 @@
           <a:p>
             <a:fld id="{1D8BD707-D9CF-40AE-B4C6-C98DA3205C09}" type="datetimeFigureOut">
               <a:rPr lang="en-US"/>
-              <a:t>12/4/2017</a:t>
+              <a:t>3/29/2018</a:t>
             </a:fld>
             <a:endParaRPr lang="en-US"/>
           </a:p>
@@ -585,7 +585,7 @@
           <a:p>
             <a:fld id="{1D8BD707-D9CF-40AE-B4C6-C98DA3205C09}" type="datetimeFigureOut">
               <a:rPr lang="en-US"/>
-              <a:t>12/4/2017</a:t>
+              <a:t>3/29/2018</a:t>
             </a:fld>
             <a:endParaRPr lang="en-US"/>
           </a:p>
@@ -805,7 +805,7 @@
           <a:p>
             <a:fld id="{1D8BD707-D9CF-40AE-B4C6-C98DA3205C09}" type="datetimeFigureOut">
               <a:rPr lang="en-US"/>
-              <a:t>12/4/2017</a:t>
+              <a:t>3/29/2018</a:t>
             </a:fld>
             <a:endParaRPr lang="en-US"/>
           </a:p>
@@ -1017,7 +1017,7 @@
           <a:p>
             <a:fld id="{1D8BD707-D9CF-40AE-B4C6-C98DA3205C09}" type="datetimeFigureOut">
               <a:rPr lang="en-US"/>
-              <a:t>12/4/2017</a:t>
+              <a:t>3/29/2018</a:t>
             </a:fld>
             <a:endParaRPr lang="en-US"/>
           </a:p>
@@ -1200,7 +1200,7 @@
           <a:p>
             <a:fld id="{1D8BD707-D9CF-40AE-B4C6-C98DA3205C09}" type="datetimeFigureOut">
               <a:rPr lang="en-US"/>
-              <a:t>12/4/2017</a:t>
+              <a:t>3/29/2018</a:t>
             </a:fld>
             <a:endParaRPr lang="en-US"/>
           </a:p>
@@ -1431,7 +1431,7 @@
           <a:p>
             <a:fld id="{1D8BD707-D9CF-40AE-B4C6-C98DA3205C09}" type="datetimeFigureOut">
               <a:rPr lang="en-US"/>
-              <a:t>12/4/2017</a:t>
+              <a:t>3/29/2018</a:t>
             </a:fld>
             <a:endParaRPr lang="en-US"/>
           </a:p>
@@ -4709,8 +4709,8 @@
         </p:nvSpPr>
         <p:spPr>
           <a:xfrm>
-            <a:off x="1397001" y="2545002"/>
-            <a:ext cx="10058400" cy="6309420"/>
+            <a:off x="1397000" y="2545002"/>
+            <a:ext cx="10439399" cy="6463308"/>
           </a:xfrm>
           <a:prstGeom prst="rect">
             <a:avLst/>
@@ -4909,7 +4909,24 @@
                 <a:latin typeface="Georgia" panose="02040502050405020303" pitchFamily="18" charset="0"/>
                 <a:cs typeface="Lora"/>
               </a:rPr>
-              <a:t>that have that </a:t>
+              <a:t>that have </a:t>
+            </a:r>
+          </a:p>
+          <a:p>
+            <a:pPr marL="469900" lvl="1">
+              <a:spcBef>
+                <a:spcPts val="1240"/>
+              </a:spcBef>
+            </a:pPr>
+            <a:r>
+              <a:rPr lang="en-US" sz="3800" spc="-5" dirty="0">
+                <a:solidFill>
+                  <a:srgbClr val="5F5F5F"/>
+                </a:solidFill>
+                <a:latin typeface="Georgia" panose="02040502050405020303" pitchFamily="18" charset="0"/>
+                <a:cs typeface="Lora"/>
+              </a:rPr>
+              <a:t> that </a:t>
             </a:r>
             <a:r>
               <a:rPr lang="en-US" sz="4000" dirty="0">
@@ -4961,7 +4978,7 @@
                 <a:latin typeface="Consolas"/>
                 <a:cs typeface="Consolas"/>
               </a:rPr>
-              <a:t>.kittens</a:t>
+              <a:t>.ghost</a:t>
             </a:r>
             <a:r>
               <a:rPr lang="en-US" sz="2800" dirty="0">
@@ -5001,7 +5018,27 @@
                 <a:latin typeface="Consolas"/>
                 <a:cs typeface="Consolas"/>
               </a:rPr>
-              <a:t>: gray; }</a:t>
+              <a:t>: white; </a:t>
+            </a:r>
+            <a:r>
+              <a:rPr lang="en-US" sz="2800" dirty="0">
+                <a:solidFill>
+                  <a:srgbClr val="FF0000"/>
+                </a:solidFill>
+                <a:latin typeface="Consolas"/>
+                <a:cs typeface="Consolas"/>
+              </a:rPr>
+              <a:t>opacity</a:t>
+            </a:r>
+            <a:r>
+              <a:rPr lang="en-US" sz="2800" dirty="0">
+                <a:solidFill>
+                  <a:srgbClr val="0000FF"/>
+                </a:solidFill>
+                <a:latin typeface="Consolas"/>
+                <a:cs typeface="Consolas"/>
+              </a:rPr>
+              <a:t>: .1; }</a:t>
             </a:r>
           </a:p>
           <a:p>
@@ -5064,7 +5101,7 @@
                 <a:latin typeface="Consolas"/>
                 <a:cs typeface="Consolas"/>
               </a:rPr>
-              <a:t>="kittens"&gt;</a:t>
+              <a:t>="ghost"&gt;</a:t>
             </a:r>
             <a:r>
               <a:rPr lang="en-US" sz="2800" dirty="0">
@@ -5074,7 +5111,7 @@
                 <a:latin typeface="Consolas"/>
                 <a:cs typeface="Consolas"/>
               </a:rPr>
-              <a:t>This will be gray.</a:t>
+              <a:t>Spooky!</a:t>
             </a:r>
             <a:r>
               <a:rPr lang="en-US" sz="2800" dirty="0">
@@ -5157,7 +5194,7 @@
                 <a:latin typeface="Consolas"/>
                 <a:cs typeface="Consolas"/>
               </a:rPr>
-              <a:t>="kittens"&gt;</a:t>
+              <a:t>="ghost"&gt;</a:t>
             </a:r>
             <a:r>
               <a:rPr lang="en-US" sz="2800" dirty="0">
@@ -5167,7 +5204,7 @@
                 <a:latin typeface="Consolas"/>
                 <a:cs typeface="Consolas"/>
               </a:rPr>
-              <a:t>This will be gray too.</a:t>
+              <a:t>This will be spooky too.</a:t>
             </a:r>
             <a:r>
               <a:rPr lang="en-US" sz="2800" dirty="0">
@@ -6213,7 +6250,7 @@
         <p:spPr>
           <a:xfrm>
             <a:off x="1447800" y="2552700"/>
-            <a:ext cx="9096375" cy="6073458"/>
+            <a:ext cx="9096375" cy="6258123"/>
           </a:xfrm>
           <a:prstGeom prst="rect">
             <a:avLst/>
@@ -6225,69 +6262,95 @@
           </a:bodyPr>
           <a:lstStyle/>
           <a:p>
+            <a:pPr marL="12700"/>
+            <a:r>
+              <a:rPr lang="en-US" sz="4000" dirty="0">
+                <a:solidFill>
+                  <a:srgbClr val="0000FF"/>
+                </a:solidFill>
+                <a:latin typeface="Consolas"/>
+                <a:cs typeface="Consolas"/>
+              </a:rPr>
+              <a:t>&lt;</a:t>
+            </a:r>
+            <a:r>
+              <a:rPr lang="en-US" sz="4000" dirty="0">
+                <a:solidFill>
+                  <a:srgbClr val="7F007F"/>
+                </a:solidFill>
+                <a:latin typeface="Consolas"/>
+                <a:cs typeface="Consolas"/>
+              </a:rPr>
+              <a:t>div </a:t>
+            </a:r>
+            <a:r>
+              <a:rPr lang="en-US" sz="4000" dirty="0">
+                <a:solidFill>
+                  <a:srgbClr val="FF0000"/>
+                </a:solidFill>
+                <a:latin typeface="Consolas"/>
+                <a:cs typeface="Consolas"/>
+              </a:rPr>
+              <a:t>id</a:t>
+            </a:r>
+            <a:r>
+              <a:rPr lang="en-US" sz="4000" dirty="0">
+                <a:solidFill>
+                  <a:srgbClr val="0000FF"/>
+                </a:solidFill>
+                <a:latin typeface="Consolas"/>
+                <a:cs typeface="Consolas"/>
+              </a:rPr>
+              <a:t>="</a:t>
+            </a:r>
+            <a:r>
+              <a:rPr lang="en-US" sz="4000" dirty="0" err="1">
+                <a:solidFill>
+                  <a:srgbClr val="0000FF"/>
+                </a:solidFill>
+                <a:latin typeface="Consolas"/>
+                <a:cs typeface="Consolas"/>
+              </a:rPr>
+              <a:t>lego</a:t>
+            </a:r>
+            <a:r>
+              <a:rPr lang="en-US" sz="4000" dirty="0">
+                <a:solidFill>
+                  <a:srgbClr val="0000FF"/>
+                </a:solidFill>
+                <a:latin typeface="Consolas"/>
+                <a:cs typeface="Consolas"/>
+              </a:rPr>
+              <a:t>"&gt;&lt;/</a:t>
+            </a:r>
+            <a:r>
+              <a:rPr lang="en-US" sz="4000" dirty="0">
+                <a:solidFill>
+                  <a:srgbClr val="7F007F"/>
+                </a:solidFill>
+                <a:latin typeface="Consolas"/>
+                <a:cs typeface="Consolas"/>
+              </a:rPr>
+              <a:t>div</a:t>
+            </a:r>
+            <a:r>
+              <a:rPr lang="en-US" sz="4000" dirty="0">
+                <a:solidFill>
+                  <a:srgbClr val="0000FF"/>
+                </a:solidFill>
+                <a:latin typeface="Consolas"/>
+                <a:cs typeface="Consolas"/>
+              </a:rPr>
+              <a:t>&gt;</a:t>
+            </a:r>
+          </a:p>
+          <a:p>
             <a:pPr marL="12700">
               <a:lnSpc>
                 <a:spcPct val="100000"/>
               </a:lnSpc>
             </a:pPr>
-            <a:r>
-              <a:rPr lang="en-US" sz="3800" dirty="0">
-                <a:solidFill>
-                  <a:srgbClr val="5F5F5F"/>
-                </a:solidFill>
-                <a:latin typeface="Georgia" panose="02040502050405020303" pitchFamily="18" charset="0"/>
-                <a:cs typeface="Lora"/>
-              </a:rPr>
-              <a:t>In CSS, target an id </a:t>
-            </a:r>
-            <a:r>
-              <a:rPr lang="en-US" sz="3800" spc="-5" dirty="0">
-                <a:solidFill>
-                  <a:srgbClr val="5F5F5F"/>
-                </a:solidFill>
-                <a:latin typeface="Georgia" panose="02040502050405020303" pitchFamily="18" charset="0"/>
-                <a:cs typeface="Lora"/>
-              </a:rPr>
-              <a:t>with </a:t>
-            </a:r>
-            <a:r>
-              <a:rPr lang="en-US" sz="3800" dirty="0">
-                <a:solidFill>
-                  <a:srgbClr val="5F5F5F"/>
-                </a:solidFill>
-                <a:latin typeface="Georgia" panose="02040502050405020303" pitchFamily="18" charset="0"/>
-                <a:cs typeface="Lora"/>
-              </a:rPr>
-              <a:t>a </a:t>
-            </a:r>
-            <a:r>
-              <a:rPr lang="en-US" sz="3800" b="1" spc="40" dirty="0">
-                <a:solidFill>
-                  <a:srgbClr val="5F5F5F"/>
-                </a:solidFill>
-                <a:latin typeface="Georgia" panose="02040502050405020303" pitchFamily="18" charset="0"/>
-                <a:cs typeface="Lora"/>
-              </a:rPr>
-              <a:t>hash</a:t>
-            </a:r>
-            <a:r>
-              <a:rPr lang="en-US" sz="3800" spc="40" dirty="0">
-                <a:solidFill>
-                  <a:srgbClr val="5F5F5F"/>
-                </a:solidFill>
-                <a:latin typeface="Georgia" panose="02040502050405020303" pitchFamily="18" charset="0"/>
-                <a:cs typeface="Lora"/>
-              </a:rPr>
-              <a:t>:</a:t>
-            </a:r>
-          </a:p>
-          <a:p>
-            <a:pPr marL="12700">
-              <a:lnSpc>
-                <a:spcPct val="100000"/>
-              </a:lnSpc>
-            </a:pPr>
-            <a:endParaRPr lang="en-US" sz="3800" b="1" spc="40" dirty="0">
+            <a:endParaRPr lang="en-US" sz="4000" b="1" spc="40" dirty="0">
               <a:solidFill>
                 <a:srgbClr val="5F5F5F"/>
               </a:solidFill>
@@ -6301,7 +6364,64 @@
                 <a:spcPct val="100000"/>
               </a:lnSpc>
             </a:pPr>
-            <a:endParaRPr lang="en-US" sz="3800" b="1" spc="40" dirty="0">
+            <a:r>
+              <a:rPr lang="en-US" sz="4000" dirty="0">
+                <a:solidFill>
+                  <a:srgbClr val="5F5F5F"/>
+                </a:solidFill>
+                <a:latin typeface="Georgia" panose="02040502050405020303" pitchFamily="18" charset="0"/>
+                <a:cs typeface="Lora"/>
+              </a:rPr>
+              <a:t>In CSS, target an id </a:t>
+            </a:r>
+            <a:r>
+              <a:rPr lang="en-US" sz="4000" spc="-5" dirty="0">
+                <a:solidFill>
+                  <a:srgbClr val="5F5F5F"/>
+                </a:solidFill>
+                <a:latin typeface="Georgia" panose="02040502050405020303" pitchFamily="18" charset="0"/>
+                <a:cs typeface="Lora"/>
+              </a:rPr>
+              <a:t>with </a:t>
+            </a:r>
+            <a:r>
+              <a:rPr lang="en-US" sz="4000" dirty="0">
+                <a:solidFill>
+                  <a:srgbClr val="5F5F5F"/>
+                </a:solidFill>
+                <a:latin typeface="Georgia" panose="02040502050405020303" pitchFamily="18" charset="0"/>
+                <a:cs typeface="Lora"/>
+              </a:rPr>
+              <a:t>a </a:t>
+            </a:r>
+            <a:r>
+              <a:rPr lang="en-US" sz="4000" b="1" spc="40" dirty="0">
+                <a:solidFill>
+                  <a:srgbClr val="5F5F5F"/>
+                </a:solidFill>
+                <a:latin typeface="Georgia" panose="02040502050405020303" pitchFamily="18" charset="0"/>
+                <a:cs typeface="Lora"/>
+              </a:rPr>
+              <a:t>hash</a:t>
+            </a:r>
+            <a:r>
+              <a:rPr lang="en-US" sz="4000" spc="40" dirty="0">
+                <a:solidFill>
+                  <a:srgbClr val="5F5F5F"/>
+                </a:solidFill>
+                <a:latin typeface="Georgia" panose="02040502050405020303" pitchFamily="18" charset="0"/>
+                <a:cs typeface="Lora"/>
+              </a:rPr>
+              <a:t>:</a:t>
+            </a:r>
+          </a:p>
+          <a:p>
+            <a:pPr marL="12700">
+              <a:lnSpc>
+                <a:spcPct val="100000"/>
+              </a:lnSpc>
+            </a:pPr>
+            <a:endParaRPr lang="en-US" sz="4000" b="1" spc="40" dirty="0">
               <a:solidFill>
                 <a:srgbClr val="5F5F5F"/>
               </a:solidFill>
@@ -6310,95 +6430,12 @@
             </a:endParaRPr>
           </a:p>
           <a:p>
-            <a:pPr marL="12700"/>
-            <a:r>
-              <a:rPr lang="en-US" sz="3600" dirty="0">
-                <a:solidFill>
-                  <a:srgbClr val="0000FF"/>
-                </a:solidFill>
-                <a:latin typeface="Consolas"/>
-                <a:cs typeface="Consolas"/>
-              </a:rPr>
-              <a:t>&lt;</a:t>
-            </a:r>
-            <a:r>
-              <a:rPr lang="en-US" sz="3600" dirty="0">
-                <a:solidFill>
-                  <a:srgbClr val="7F007F"/>
-                </a:solidFill>
-                <a:latin typeface="Consolas"/>
-                <a:cs typeface="Consolas"/>
-              </a:rPr>
-              <a:t>div </a:t>
-            </a:r>
-            <a:r>
-              <a:rPr lang="en-US" sz="3600" dirty="0">
-                <a:solidFill>
-                  <a:srgbClr val="FF0000"/>
-                </a:solidFill>
-                <a:latin typeface="Consolas"/>
-                <a:cs typeface="Consolas"/>
-              </a:rPr>
-              <a:t>id</a:t>
-            </a:r>
-            <a:r>
-              <a:rPr lang="en-US" sz="3600" dirty="0">
-                <a:solidFill>
-                  <a:srgbClr val="0000FF"/>
-                </a:solidFill>
-                <a:latin typeface="Consolas"/>
-                <a:cs typeface="Consolas"/>
-              </a:rPr>
-              <a:t>="</a:t>
-            </a:r>
-            <a:r>
-              <a:rPr lang="en-US" sz="3600" dirty="0" err="1">
-                <a:solidFill>
-                  <a:srgbClr val="0000FF"/>
-                </a:solidFill>
-                <a:latin typeface="Consolas"/>
-                <a:cs typeface="Consolas"/>
-              </a:rPr>
-              <a:t>kittenContainer</a:t>
-            </a:r>
-            <a:r>
-              <a:rPr lang="en-US" sz="3600" dirty="0">
-                <a:solidFill>
-                  <a:srgbClr val="0000FF"/>
-                </a:solidFill>
-                <a:latin typeface="Consolas"/>
-                <a:cs typeface="Consolas"/>
-              </a:rPr>
-              <a:t>"&gt;&lt;/</a:t>
-            </a:r>
-            <a:r>
-              <a:rPr lang="en-US" sz="3600" dirty="0">
-                <a:solidFill>
-                  <a:srgbClr val="7F007F"/>
-                </a:solidFill>
-                <a:latin typeface="Consolas"/>
-                <a:cs typeface="Consolas"/>
-              </a:rPr>
-              <a:t>div</a:t>
-            </a:r>
-            <a:r>
-              <a:rPr lang="en-US" sz="3600" dirty="0">
-                <a:solidFill>
-                  <a:srgbClr val="0000FF"/>
-                </a:solidFill>
-                <a:latin typeface="Consolas"/>
-                <a:cs typeface="Consolas"/>
-              </a:rPr>
-              <a:t>&gt;</a:t>
-            </a:r>
-          </a:p>
-          <a:p>
             <a:pPr marL="12700">
               <a:lnSpc>
                 <a:spcPct val="100000"/>
               </a:lnSpc>
             </a:pPr>
-            <a:endParaRPr lang="en-US" sz="3800" b="1" spc="40" dirty="0">
+            <a:endParaRPr lang="en-US" sz="4000" b="1" spc="40" dirty="0">
               <a:solidFill>
                 <a:srgbClr val="5F5F5F"/>
               </a:solidFill>
@@ -6430,7 +6467,7 @@
                 <a:latin typeface="Consolas"/>
                 <a:cs typeface="Consolas"/>
               </a:rPr>
-              <a:t>kittenContainer</a:t>
+              <a:t>lego</a:t>
             </a:r>
             <a:r>
               <a:rPr lang="en-US" sz="4000" dirty="0">
@@ -6477,7 +6514,7 @@
                 <a:latin typeface="Consolas"/>
                 <a:cs typeface="Consolas"/>
               </a:rPr>
-              <a:t>color</a:t>
+              <a:t>display</a:t>
             </a:r>
             <a:r>
               <a:rPr lang="en-US" sz="4000" dirty="0">
@@ -6487,7 +6524,7 @@
                 <a:latin typeface="Consolas"/>
                 <a:cs typeface="Consolas"/>
               </a:rPr>
-              <a:t>: gray; </a:t>
+              <a:t>: block; </a:t>
             </a:r>
           </a:p>
           <a:p>
@@ -6662,7 +6699,7 @@
         <p:spPr>
           <a:xfrm>
             <a:off x="1447800" y="2552700"/>
-            <a:ext cx="9096375" cy="4544834"/>
+            <a:ext cx="9096375" cy="6073458"/>
           </a:xfrm>
           <a:prstGeom prst="rect">
             <a:avLst/>
@@ -6798,28 +6835,55 @@
                 <a:latin typeface="Consolas"/>
                 <a:cs typeface="Consolas"/>
               </a:rPr>
-              <a:t>="#</a:t>
-            </a:r>
-            <a:r>
-              <a:rPr lang="en-US" sz="3600" dirty="0" err="1">
+              <a:t>="#kittens"&gt;</a:t>
+            </a:r>
+            <a:r>
+              <a:rPr lang="en-US" sz="3600" dirty="0">
+                <a:solidFill>
+                  <a:srgbClr val="5F5F5F"/>
+                </a:solidFill>
+                <a:latin typeface="Consolas"/>
+                <a:cs typeface="Consolas"/>
+              </a:rPr>
+              <a:t>Proceed directly to kittens</a:t>
+            </a:r>
+            <a:r>
+              <a:rPr lang="en-US" sz="3600" dirty="0">
                 <a:solidFill>
                   <a:srgbClr val="0000FF"/>
                 </a:solidFill>
                 <a:latin typeface="Consolas"/>
                 <a:cs typeface="Consolas"/>
               </a:rPr>
-              <a:t>kittenContainer</a:t>
+              <a:t>&lt;/</a:t>
             </a:r>
             <a:r>
               <a:rPr lang="en-US" sz="3600" dirty="0">
                 <a:solidFill>
+                  <a:srgbClr val="7F007F"/>
+                </a:solidFill>
+                <a:latin typeface="Consolas"/>
+                <a:cs typeface="Consolas"/>
+              </a:rPr>
+              <a:t>a</a:t>
+            </a:r>
+            <a:r>
+              <a:rPr lang="en-US" sz="3600" dirty="0">
+                <a:solidFill>
                   <a:srgbClr val="0000FF"/>
                 </a:solidFill>
                 <a:latin typeface="Consolas"/>
                 <a:cs typeface="Consolas"/>
               </a:rPr>
-              <a:t>"&gt;</a:t>
-            </a:r>
+              <a:t>&gt;</a:t>
+            </a:r>
+          </a:p>
+          <a:p>
+            <a:pPr marL="12700" marR="5080">
+              <a:spcBef>
+                <a:spcPts val="1395"/>
+              </a:spcBef>
+            </a:pPr>
             <a:r>
               <a:rPr lang="en-US" sz="3600" dirty="0">
                 <a:solidFill>
@@ -6828,17 +6892,31 @@
                 <a:latin typeface="Consolas"/>
                 <a:cs typeface="Consolas"/>
               </a:rPr>
-              <a:t>Proceed directly to kittens</a:t>
-            </a:r>
+              <a:t>...</a:t>
+            </a:r>
+            <a:endParaRPr lang="en-US" sz="3600" dirty="0">
+              <a:solidFill>
+                <a:srgbClr val="0000FF"/>
+              </a:solidFill>
+              <a:latin typeface="Consolas"/>
+              <a:cs typeface="Lora"/>
+            </a:endParaRPr>
+          </a:p>
+          <a:p>
+            <a:pPr marL="12700" marR="5080">
+              <a:spcBef>
+                <a:spcPts val="1395"/>
+              </a:spcBef>
+            </a:pPr>
             <a:r>
               <a:rPr lang="en-US" sz="3600" dirty="0">
                 <a:solidFill>
                   <a:srgbClr val="0000FF"/>
                 </a:solidFill>
                 <a:latin typeface="Consolas"/>
-                <a:cs typeface="Consolas"/>
-              </a:rPr>
-              <a:t>&lt;/</a:t>
+                <a:cs typeface="Lora"/>
+              </a:rPr>
+              <a:t>&lt;</a:t>
             </a:r>
             <a:r>
               <a:rPr lang="en-US" sz="3600" dirty="0">
@@ -6846,21 +6924,79 @@
                   <a:srgbClr val="7F007F"/>
                 </a:solidFill>
                 <a:latin typeface="Consolas"/>
-                <a:cs typeface="Consolas"/>
-              </a:rPr>
-              <a:t>a</a:t>
+              </a:rPr>
+              <a:t>div </a:t>
             </a:r>
             <a:r>
               <a:rPr lang="en-US" sz="3600" dirty="0">
                 <a:solidFill>
+                  <a:srgbClr val="FF0000"/>
+                </a:solidFill>
+                <a:latin typeface="Consolas"/>
+                <a:cs typeface="Consolas"/>
+              </a:rPr>
+              <a:t>id</a:t>
+            </a:r>
+            <a:r>
+              <a:rPr lang="en-US" sz="3600" dirty="0">
+                <a:solidFill>
                   <a:srgbClr val="0000FF"/>
                 </a:solidFill>
                 <a:latin typeface="Consolas"/>
                 <a:cs typeface="Consolas"/>
               </a:rPr>
+              <a:t>="kittens"</a:t>
+            </a:r>
+            <a:r>
+              <a:rPr lang="en-US" sz="3600" dirty="0">
+                <a:solidFill>
+                  <a:srgbClr val="0000FF"/>
+                </a:solidFill>
+                <a:latin typeface="Consolas"/>
+                <a:cs typeface="Lora"/>
+              </a:rPr>
               <a:t>&gt;</a:t>
             </a:r>
-            <a:endParaRPr lang="en-US" sz="4000" dirty="0">
+            <a:r>
+              <a:rPr lang="en-US" sz="3600" dirty="0">
+                <a:solidFill>
+                  <a:srgbClr val="5F5F5F"/>
+                </a:solidFill>
+                <a:latin typeface="Consolas"/>
+                <a:cs typeface="Lora"/>
+              </a:rPr>
+              <a:t>Meow</a:t>
+            </a:r>
+            <a:r>
+              <a:rPr lang="en-US" sz="3600" dirty="0">
+                <a:solidFill>
+                  <a:srgbClr val="0000FF"/>
+                </a:solidFill>
+                <a:latin typeface="Consolas"/>
+                <a:cs typeface="Lora"/>
+              </a:rPr>
+              <a:t>&lt;</a:t>
+            </a:r>
+            <a:r>
+              <a:rPr lang="en-US" sz="3600" dirty="0">
+                <a:solidFill>
+                  <a:srgbClr val="7F007F"/>
+                </a:solidFill>
+                <a:latin typeface="Consolas"/>
+              </a:rPr>
+              <a:t>div</a:t>
+            </a:r>
+            <a:r>
+              <a:rPr lang="en-US" sz="3600" dirty="0">
+                <a:solidFill>
+                  <a:srgbClr val="0000FF"/>
+                </a:solidFill>
+                <a:latin typeface="Consolas"/>
+                <a:cs typeface="Lora"/>
+              </a:rPr>
+              <a:t>&gt;</a:t>
+            </a:r>
+            <a:endParaRPr lang="en-US" sz="3600" dirty="0">
               <a:solidFill>
                 <a:srgbClr val="5F5F5F"/>
               </a:solidFill>
@@ -30156,7 +30292,7 @@
                 <a:latin typeface="Georgia" panose="02040502050405020303" pitchFamily="18" charset="0"/>
                 <a:cs typeface="Lora"/>
               </a:rPr>
-              <a:t> file that contains the library</a:t>
+              <a:t> file that contains the jQuery library</a:t>
             </a:r>
           </a:p>
           <a:p>
@@ -30821,7 +30957,7 @@
                 </a:highlight>
                 <a:latin typeface="Consolas"/>
               </a:rPr>
-              <a:t>on</a:t>
+              <a:t>click</a:t>
             </a:r>
             <a:r>
               <a:rPr lang="en-US" sz="2800" dirty="0">
@@ -30834,27 +30970,6 @@
                 <a:latin typeface="Consolas"/>
               </a:rPr>
               <a:t>(</a:t>
-            </a:r>
-            <a:r>
-              <a:rPr lang="en-US" sz="2800" dirty="0">
-                <a:solidFill>
-                  <a:srgbClr val="C0504D"/>
-                </a:solidFill>
-                <a:latin typeface="Consolas"/>
-              </a:rPr>
-              <a:t>"click"</a:t>
-            </a:r>
-            <a:r>
-              <a:rPr lang="en-US" sz="2800" dirty="0">
-                <a:solidFill>
-                  <a:schemeClr val="tx1">
-                    <a:lumMod val="75000"/>
-                    <a:lumOff val="25000"/>
-                  </a:schemeClr>
-                </a:solidFill>
-                <a:latin typeface="Consolas"/>
-              </a:rPr>
-              <a:t>, </a:t>
             </a:r>
             <a:r>
               <a:rPr lang="en-US" sz="2800" dirty="0">
@@ -31254,7 +31369,7 @@
         <p:spPr>
           <a:xfrm>
             <a:off x="1168400" y="2534563"/>
-            <a:ext cx="12115800" cy="7009611"/>
+            <a:ext cx="12115800" cy="7453322"/>
           </a:xfrm>
           <a:prstGeom prst="rect">
             <a:avLst/>
@@ -31765,16 +31880,16 @@
                 </a:solidFill>
                 <a:latin typeface="Consolas"/>
               </a:rPr>
-              <a:t>).on(</a:t>
+              <a:t>).click(</a:t>
             </a:r>
             <a:r>
               <a:rPr lang="en-US" sz="2800" dirty="0">
                 <a:solidFill>
-                  <a:srgbClr val="C0504D"/>
-                </a:solidFill>
-                <a:latin typeface="Consolas"/>
-              </a:rPr>
-              <a:t>"click"</a:t>
+                  <a:srgbClr val="0000FF"/>
+                </a:solidFill>
+                <a:latin typeface="Consolas"/>
+              </a:rPr>
+              <a:t>function</a:t>
             </a:r>
             <a:r>
               <a:rPr lang="en-US" sz="2800" dirty="0">
@@ -31786,17 +31901,15 @@
                 </a:solidFill>
                 <a:latin typeface="Consolas"/>
               </a:rPr>
-              <a:t>, </a:t>
-            </a:r>
-            <a:r>
-              <a:rPr lang="en-US" sz="2800" dirty="0">
-                <a:solidFill>
-                  <a:srgbClr val="0000FF"/>
-                </a:solidFill>
-                <a:latin typeface="Consolas"/>
-              </a:rPr>
-              <a:t>function</a:t>
-            </a:r>
+              <a:t>(){</a:t>
+            </a:r>
+          </a:p>
+          <a:p>
+            <a:pPr marL="469900" marR="1212850" lvl="1">
+              <a:spcBef>
+                <a:spcPts val="100"/>
+              </a:spcBef>
+            </a:pPr>
             <a:r>
               <a:rPr lang="en-US" sz="2800" dirty="0">
                 <a:solidFill>
@@ -31807,7 +31920,52 @@
                 </a:solidFill>
                 <a:latin typeface="Consolas"/>
               </a:rPr>
-              <a:t>(){</a:t>
+              <a:t>		$(</a:t>
+            </a:r>
+            <a:r>
+              <a:rPr lang="en-US" sz="2800" dirty="0">
+                <a:solidFill>
+                  <a:srgbClr val="C0504D"/>
+                </a:solidFill>
+                <a:latin typeface="Consolas"/>
+              </a:rPr>
+              <a:t>".menu"</a:t>
+            </a:r>
+            <a:r>
+              <a:rPr lang="en-US" sz="2800" dirty="0">
+                <a:solidFill>
+                  <a:schemeClr val="tx1">
+                    <a:lumMod val="75000"/>
+                    <a:lumOff val="25000"/>
+                  </a:schemeClr>
+                </a:solidFill>
+                <a:latin typeface="Consolas"/>
+              </a:rPr>
+              <a:t>).</a:t>
+            </a:r>
+            <a:r>
+              <a:rPr lang="en-US" sz="2800" dirty="0" err="1">
+                <a:solidFill>
+                  <a:schemeClr val="tx1">
+                    <a:lumMod val="75000"/>
+                    <a:lumOff val="25000"/>
+                  </a:schemeClr>
+                </a:solidFill>
+                <a:latin typeface="Consolas"/>
+              </a:rPr>
+              <a:t>slideUp</a:t>
+            </a:r>
+            <a:r>
+              <a:rPr lang="en-US" sz="2800" dirty="0">
+                <a:solidFill>
+                  <a:schemeClr val="tx1">
+                    <a:lumMod val="75000"/>
+                    <a:lumOff val="25000"/>
+                  </a:schemeClr>
+                </a:solidFill>
+                <a:latin typeface="Consolas"/>
+              </a:rPr>
+              <a:t>();</a:t>
             </a:r>
           </a:p>
           <a:p>
@@ -31826,7 +31984,7 @@
                 </a:solidFill>
                 <a:latin typeface="Consolas"/>
               </a:rPr>
-              <a:t>	$(</a:t>
+              <a:t>		$(</a:t>
             </a:r>
             <a:r>
               <a:rPr lang="en-US" sz="2800" dirty="0">
@@ -31880,7 +32038,7 @@
                 </a:solidFill>
                 <a:latin typeface="Consolas"/>
               </a:rPr>
-              <a:t>slideToggle</a:t>
+              <a:t>slideDown</a:t>
             </a:r>
             <a:r>
               <a:rPr lang="en-US" sz="2800" dirty="0">
